--- a/Slides/W11 State Diagram.pptx
+++ b/Slides/W11 State Diagram.pptx
@@ -34,7 +34,7 @@
     <p:sldId id="305" r:id="rId25"/>
     <p:sldId id="308" r:id="rId26"/>
   </p:sldIdLst>
-  <p:sldSz cx="9144000" cy="6858000" type="screen4x3"/>
+  <p:sldSz cx="12192000" cy="6858000"/>
   <p:notesSz cx="6858000" cy="9144000"/>
   <p:defaultTextStyle>
     <a:defPPr>
@@ -134,12 +134,12 @@
   <p:extLst>
     <p:ext uri="{EFAFB233-063F-42B5-8137-9DF3F51BA10A}">
       <p15:sldGuideLst xmlns:p15="http://schemas.microsoft.com/office/powerpoint/2012/main">
-        <p15:guide id="1" orient="horz" pos="2160">
+        <p15:guide id="1" orient="horz" pos="2160" userDrawn="1">
           <p15:clr>
             <a:srgbClr val="A4A3A4"/>
           </p15:clr>
         </p15:guide>
-        <p15:guide id="2" pos="2880">
+        <p15:guide id="2" pos="3840" userDrawn="1">
           <p15:clr>
             <a:srgbClr val="A4A3A4"/>
           </p15:clr>
@@ -255,8 +255,8 @@
         </p:nvSpPr>
         <p:spPr>
           <a:xfrm>
-            <a:off x="1143000" y="685800"/>
-            <a:ext cx="4572000" cy="3429000"/>
+            <a:off x="381000" y="685800"/>
+            <a:ext cx="6096000" cy="3429000"/>
           </a:xfrm>
           <a:prstGeom prst="rect">
             <a:avLst/>
@@ -542,7 +542,7 @@
         <p:spPr>
           <a:xfrm>
             <a:off x="0" y="0"/>
-            <a:ext cx="9144000" cy="6858000"/>
+            <a:ext cx="12192000" cy="6858000"/>
           </a:xfrm>
           <a:prstGeom prst="rect">
             <a:avLst/>
@@ -574,7 +574,7 @@
           <a:lstStyle/>
           <a:p>
             <a:pPr algn="ctr" eaLnBrk="1" latinLnBrk="0" hangingPunct="1"/>
-            <a:endParaRPr kumimoji="0" lang="en-US"/>
+            <a:endParaRPr kumimoji="0" lang="en-US" sz="2800"/>
           </a:p>
         </p:txBody>
       </p:sp>
@@ -586,8 +586,8 @@
         </p:nvSpPr>
         <p:spPr>
           <a:xfrm>
-            <a:off x="65313" y="69755"/>
-            <a:ext cx="9013372" cy="6692201"/>
+            <a:off x="87084" y="69756"/>
+            <a:ext cx="12017829" cy="6692201"/>
           </a:xfrm>
           <a:prstGeom prst="roundRect">
             <a:avLst>
@@ -623,7 +623,7 @@
           <a:lstStyle/>
           <a:p>
             <a:pPr algn="ctr" eaLnBrk="1" latinLnBrk="0" hangingPunct="1"/>
-            <a:endParaRPr kumimoji="0" lang="en-US"/>
+            <a:endParaRPr kumimoji="0" lang="en-US" sz="2800"/>
           </a:p>
         </p:txBody>
       </p:sp>
@@ -639,8 +639,8 @@
         </p:nvSpPr>
         <p:spPr>
           <a:xfrm>
-            <a:off x="1295400" y="3200400"/>
-            <a:ext cx="6400800" cy="1600200"/>
+            <a:off x="1727200" y="3200400"/>
+            <a:ext cx="8534400" cy="1600200"/>
           </a:xfrm>
         </p:spPr>
         <p:txBody>
@@ -772,8 +772,8 @@
         </p:nvSpPr>
         <p:spPr>
           <a:xfrm>
-            <a:off x="62931" y="1449303"/>
-            <a:ext cx="9021537" cy="1527349"/>
+            <a:off x="83909" y="1449304"/>
+            <a:ext cx="12028716" cy="1527349"/>
           </a:xfrm>
           <a:prstGeom prst="rect">
             <a:avLst/>
@@ -808,7 +808,7 @@
           <a:lstStyle/>
           <a:p>
             <a:pPr algn="ctr" eaLnBrk="1" latinLnBrk="0" hangingPunct="1"/>
-            <a:endParaRPr kumimoji="0" lang="en-US" dirty="0">
+            <a:endParaRPr kumimoji="0" lang="en-US" sz="2800" dirty="0">
               <a:solidFill>
                 <a:srgbClr val="CCFF33"/>
               </a:solidFill>
@@ -824,8 +824,8 @@
         </p:nvSpPr>
         <p:spPr>
           <a:xfrm>
-            <a:off x="62931" y="1396720"/>
-            <a:ext cx="9021537" cy="120580"/>
+            <a:off x="83909" y="1396720"/>
+            <a:ext cx="12028716" cy="120580"/>
           </a:xfrm>
           <a:prstGeom prst="rect">
             <a:avLst/>
@@ -860,7 +860,7 @@
           <a:lstStyle/>
           <a:p>
             <a:pPr algn="ctr" eaLnBrk="1" latinLnBrk="0" hangingPunct="1"/>
-            <a:endParaRPr kumimoji="0" lang="en-US"/>
+            <a:endParaRPr kumimoji="0" lang="en-US" sz="2800"/>
           </a:p>
         </p:txBody>
       </p:sp>
@@ -872,8 +872,8 @@
         </p:nvSpPr>
         <p:spPr>
           <a:xfrm>
-            <a:off x="62931" y="2976649"/>
-            <a:ext cx="9021537" cy="110532"/>
+            <a:off x="83909" y="2976649"/>
+            <a:ext cx="12028716" cy="110532"/>
           </a:xfrm>
           <a:prstGeom prst="rect">
             <a:avLst/>
@@ -906,7 +906,7 @@
           <a:lstStyle/>
           <a:p>
             <a:pPr algn="ctr" eaLnBrk="1" latinLnBrk="0" hangingPunct="1"/>
-            <a:endParaRPr kumimoji="0" lang="en-US"/>
+            <a:endParaRPr kumimoji="0" lang="en-US" sz="2800"/>
           </a:p>
         </p:txBody>
       </p:sp>
@@ -922,8 +922,8 @@
         </p:nvSpPr>
         <p:spPr>
           <a:xfrm>
-            <a:off x="457200" y="1505930"/>
-            <a:ext cx="8229600" cy="1470025"/>
+            <a:off x="609600" y="1505931"/>
+            <a:ext cx="10972800" cy="1470025"/>
           </a:xfrm>
         </p:spPr>
         <p:txBody>
@@ -1158,8 +1158,8 @@
         </p:nvSpPr>
         <p:spPr>
           <a:xfrm>
-            <a:off x="6629400" y="274641"/>
-            <a:ext cx="2011680" cy="5851525"/>
+            <a:off x="8839200" y="274642"/>
+            <a:ext cx="2682240" cy="5851525"/>
           </a:xfrm>
         </p:spPr>
         <p:txBody>
@@ -1186,8 +1186,8 @@
         </p:nvSpPr>
         <p:spPr>
           <a:xfrm>
-            <a:off x="914400" y="274640"/>
-            <a:ext cx="5562600" cy="5851525"/>
+            <a:off x="1219200" y="274641"/>
+            <a:ext cx="7416800" cy="5851525"/>
           </a:xfrm>
         </p:spPr>
         <p:txBody>
@@ -1438,8 +1438,8 @@
         </p:nvSpPr>
         <p:spPr>
           <a:xfrm>
-            <a:off x="428596" y="1447800"/>
-            <a:ext cx="8258204" cy="4572000"/>
+            <a:off x="571461" y="1447800"/>
+            <a:ext cx="11010939" cy="4572000"/>
           </a:xfrm>
         </p:spPr>
         <p:txBody>
@@ -1548,7 +1548,7 @@
         <p:spPr>
           <a:xfrm>
             <a:off x="0" y="0"/>
-            <a:ext cx="9144000" cy="6858000"/>
+            <a:ext cx="12192000" cy="6858000"/>
           </a:xfrm>
           <a:prstGeom prst="rect">
             <a:avLst/>
@@ -1580,7 +1580,7 @@
           <a:lstStyle/>
           <a:p>
             <a:pPr algn="ctr" eaLnBrk="1" latinLnBrk="0" hangingPunct="1"/>
-            <a:endParaRPr kumimoji="0" lang="en-US"/>
+            <a:endParaRPr kumimoji="0" lang="en-US" sz="2800"/>
           </a:p>
         </p:txBody>
       </p:sp>
@@ -1592,8 +1592,8 @@
         </p:nvSpPr>
         <p:spPr>
           <a:xfrm>
-            <a:off x="65313" y="69755"/>
-            <a:ext cx="9013372" cy="6692201"/>
+            <a:off x="87084" y="69756"/>
+            <a:ext cx="12017829" cy="6692201"/>
           </a:xfrm>
           <a:prstGeom prst="roundRect">
             <a:avLst>
@@ -1629,7 +1629,7 @@
           <a:lstStyle/>
           <a:p>
             <a:pPr algn="ctr" eaLnBrk="1" latinLnBrk="0" hangingPunct="1"/>
-            <a:endParaRPr kumimoji="0" lang="en-US"/>
+            <a:endParaRPr kumimoji="0" lang="en-US" sz="2800"/>
           </a:p>
         </p:txBody>
       </p:sp>
@@ -1645,8 +1645,8 @@
         </p:nvSpPr>
         <p:spPr>
           <a:xfrm>
-            <a:off x="722313" y="952500"/>
-            <a:ext cx="7772400" cy="1362075"/>
+            <a:off x="963084" y="952501"/>
+            <a:ext cx="10363200" cy="1362075"/>
           </a:xfrm>
         </p:spPr>
         <p:txBody>
@@ -1678,8 +1678,8 @@
         </p:nvSpPr>
         <p:spPr>
           <a:xfrm>
-            <a:off x="722313" y="2547938"/>
-            <a:ext cx="7772400" cy="1338262"/>
+            <a:off x="963084" y="2547938"/>
+            <a:ext cx="10363200" cy="1338262"/>
           </a:xfrm>
         </p:spPr>
         <p:txBody>
@@ -1780,8 +1780,8 @@
         </p:nvSpPr>
         <p:spPr>
           <a:xfrm>
-            <a:off x="800100" y="6172200"/>
-            <a:ext cx="4000500" cy="457200"/>
+            <a:off x="1066800" y="6172200"/>
+            <a:ext cx="5334000" cy="457200"/>
           </a:xfrm>
         </p:spPr>
         <p:txBody>
@@ -1800,8 +1800,8 @@
         </p:nvSpPr>
         <p:spPr>
           <a:xfrm flipV="1">
-            <a:off x="69412" y="2376830"/>
-            <a:ext cx="9013515" cy="91440"/>
+            <a:off x="92550" y="2376830"/>
+            <a:ext cx="12018020" cy="91440"/>
           </a:xfrm>
           <a:prstGeom prst="rect">
             <a:avLst/>
@@ -1836,7 +1836,7 @@
           <a:lstStyle/>
           <a:p>
             <a:pPr algn="ctr" eaLnBrk="1" latinLnBrk="0" hangingPunct="1"/>
-            <a:endParaRPr kumimoji="0" lang="en-US"/>
+            <a:endParaRPr kumimoji="0" lang="en-US" sz="2800"/>
           </a:p>
         </p:txBody>
       </p:sp>
@@ -1848,8 +1848,8 @@
         </p:nvSpPr>
         <p:spPr>
           <a:xfrm>
-            <a:off x="69146" y="2341475"/>
-            <a:ext cx="9013781" cy="45719"/>
+            <a:off x="92195" y="2341476"/>
+            <a:ext cx="12018375" cy="45719"/>
           </a:xfrm>
           <a:prstGeom prst="rect">
             <a:avLst/>
@@ -1884,7 +1884,7 @@
           <a:lstStyle/>
           <a:p>
             <a:pPr algn="ctr" eaLnBrk="1" latinLnBrk="0" hangingPunct="1"/>
-            <a:endParaRPr kumimoji="0" lang="en-US"/>
+            <a:endParaRPr kumimoji="0" lang="en-US" sz="2800"/>
           </a:p>
         </p:txBody>
       </p:sp>
@@ -1896,8 +1896,8 @@
         </p:nvSpPr>
         <p:spPr>
           <a:xfrm>
-            <a:off x="68306" y="2468880"/>
-            <a:ext cx="9014621" cy="45720"/>
+            <a:off x="91075" y="2468880"/>
+            <a:ext cx="12019495" cy="45720"/>
           </a:xfrm>
           <a:prstGeom prst="rect">
             <a:avLst/>
@@ -1930,7 +1930,7 @@
           <a:lstStyle/>
           <a:p>
             <a:pPr algn="ctr" eaLnBrk="1" latinLnBrk="0" hangingPunct="1"/>
-            <a:endParaRPr kumimoji="0" lang="en-US"/>
+            <a:endParaRPr kumimoji="0" lang="en-US" sz="2800"/>
           </a:p>
         </p:txBody>
       </p:sp>
@@ -1946,8 +1946,8 @@
         </p:nvSpPr>
         <p:spPr>
           <a:xfrm>
-            <a:off x="146304" y="6208776"/>
-            <a:ext cx="457200" cy="457200"/>
+            <a:off x="195072" y="6208776"/>
+            <a:ext cx="609600" cy="457200"/>
           </a:xfrm>
         </p:spPr>
         <p:txBody>
@@ -2089,8 +2089,8 @@
         </p:nvSpPr>
         <p:spPr>
           <a:xfrm>
-            <a:off x="428596" y="1500174"/>
-            <a:ext cx="3749040" cy="4572000"/>
+            <a:off x="571461" y="1500174"/>
+            <a:ext cx="4998720" cy="4572000"/>
           </a:xfrm>
         </p:spPr>
         <p:txBody>
@@ -2146,8 +2146,8 @@
         </p:nvSpPr>
         <p:spPr>
           <a:xfrm>
-            <a:off x="4933950" y="1447800"/>
-            <a:ext cx="3749040" cy="4572000"/>
+            <a:off x="6578600" y="1447800"/>
+            <a:ext cx="4998720" cy="4572000"/>
           </a:xfrm>
         </p:spPr>
         <p:txBody>
@@ -2228,8 +2228,8 @@
         </p:nvSpPr>
         <p:spPr>
           <a:xfrm>
-            <a:off x="914400" y="273050"/>
-            <a:ext cx="7772400" cy="1143000"/>
+            <a:off x="1219200" y="273050"/>
+            <a:ext cx="10363200" cy="1143000"/>
           </a:xfrm>
         </p:spPr>
         <p:txBody>
@@ -2260,8 +2260,8 @@
         </p:nvSpPr>
         <p:spPr>
           <a:xfrm>
-            <a:off x="914400" y="1447800"/>
-            <a:ext cx="3733800" cy="762000"/>
+            <a:off x="1219200" y="1447800"/>
+            <a:ext cx="4978400" cy="762000"/>
           </a:xfrm>
           <a:noFill/>
           <a:ln w="12700" cap="sq" cmpd="sng" algn="ctr">
@@ -2323,8 +2323,8 @@
         </p:nvSpPr>
         <p:spPr>
           <a:xfrm>
-            <a:off x="4953000" y="1447800"/>
-            <a:ext cx="3733800" cy="762000"/>
+            <a:off x="6604000" y="1447800"/>
+            <a:ext cx="4978400" cy="762000"/>
           </a:xfrm>
           <a:noFill/>
           <a:ln w="12700" cap="sq" cmpd="sng" algn="ctr">
@@ -2452,8 +2452,8 @@
         </p:nvSpPr>
         <p:spPr>
           <a:xfrm>
-            <a:off x="914400" y="2247900"/>
-            <a:ext cx="3733800" cy="3886200"/>
+            <a:off x="1219200" y="2247900"/>
+            <a:ext cx="4978400" cy="3886200"/>
           </a:xfrm>
         </p:spPr>
         <p:txBody>
@@ -2509,8 +2509,8 @@
         </p:nvSpPr>
         <p:spPr>
           <a:xfrm>
-            <a:off x="4953000" y="2247900"/>
-            <a:ext cx="3733800" cy="3886200"/>
+            <a:off x="6604000" y="2247900"/>
+            <a:ext cx="4978400" cy="3886200"/>
           </a:xfrm>
         </p:spPr>
         <p:txBody>
@@ -2793,7 +2793,7 @@
         <p:spPr>
           <a:xfrm>
             <a:off x="0" y="0"/>
-            <a:ext cx="9144000" cy="6858000"/>
+            <a:ext cx="12192000" cy="6858000"/>
           </a:xfrm>
           <a:prstGeom prst="rect">
             <a:avLst/>
@@ -2826,7 +2826,7 @@
           <a:lstStyle/>
           <a:p>
             <a:pPr algn="ctr" eaLnBrk="1" latinLnBrk="0" hangingPunct="1"/>
-            <a:endParaRPr kumimoji="0" lang="en-US"/>
+            <a:endParaRPr kumimoji="0" lang="en-US" sz="2800"/>
           </a:p>
         </p:txBody>
       </p:sp>
@@ -2838,8 +2838,8 @@
         </p:nvSpPr>
         <p:spPr>
           <a:xfrm>
-            <a:off x="64008" y="69755"/>
-            <a:ext cx="9013372" cy="6693408"/>
+            <a:off x="85344" y="69755"/>
+            <a:ext cx="12017829" cy="6693408"/>
           </a:xfrm>
           <a:prstGeom prst="roundRect">
             <a:avLst>
@@ -2875,7 +2875,7 @@
           <a:lstStyle/>
           <a:p>
             <a:pPr algn="ctr" eaLnBrk="1" latinLnBrk="0" hangingPunct="1"/>
-            <a:endParaRPr kumimoji="0" lang="en-US"/>
+            <a:endParaRPr kumimoji="0" lang="en-US" sz="2800"/>
           </a:p>
         </p:txBody>
       </p:sp>
@@ -2891,8 +2891,8 @@
         </p:nvSpPr>
         <p:spPr>
           <a:xfrm>
-            <a:off x="914400" y="273050"/>
-            <a:ext cx="7772400" cy="1143000"/>
+            <a:off x="1219200" y="273050"/>
+            <a:ext cx="10363200" cy="1143000"/>
           </a:xfrm>
         </p:spPr>
         <p:txBody>
@@ -2924,8 +2924,8 @@
         </p:nvSpPr>
         <p:spPr>
           <a:xfrm>
-            <a:off x="914400" y="1600200"/>
-            <a:ext cx="1905000" cy="4495800"/>
+            <a:off x="1219200" y="1600200"/>
+            <a:ext cx="2540000" cy="4495800"/>
           </a:xfrm>
         </p:spPr>
         <p:txBody>
@@ -3039,8 +3039,8 @@
         </p:nvSpPr>
         <p:spPr>
           <a:xfrm>
-            <a:off x="2971800" y="1600200"/>
-            <a:ext cx="5715000" cy="4495800"/>
+            <a:off x="3962400" y="1600200"/>
+            <a:ext cx="7620000" cy="4495800"/>
           </a:xfrm>
         </p:spPr>
         <p:txBody>
@@ -3121,8 +3121,8 @@
         </p:nvSpPr>
         <p:spPr>
           <a:xfrm>
-            <a:off x="914400" y="4900550"/>
-            <a:ext cx="7315200" cy="522288"/>
+            <a:off x="1219200" y="4900550"/>
+            <a:ext cx="9753600" cy="522288"/>
           </a:xfrm>
         </p:spPr>
         <p:txBody>
@@ -3156,8 +3156,8 @@
         </p:nvSpPr>
         <p:spPr>
           <a:xfrm>
-            <a:off x="914400" y="5445825"/>
-            <a:ext cx="7315200" cy="685800"/>
+            <a:off x="1219200" y="5445825"/>
+            <a:ext cx="9753600" cy="685800"/>
           </a:xfrm>
         </p:spPr>
         <p:txBody>
@@ -3225,8 +3225,8 @@
         </p:nvSpPr>
         <p:spPr>
           <a:xfrm>
-            <a:off x="914400" y="6172200"/>
-            <a:ext cx="3886200" cy="457200"/>
+            <a:off x="1219200" y="6172200"/>
+            <a:ext cx="5181600" cy="457200"/>
           </a:xfrm>
         </p:spPr>
         <p:txBody>
@@ -3249,8 +3249,8 @@
         </p:nvSpPr>
         <p:spPr>
           <a:xfrm>
-            <a:off x="146304" y="6208776"/>
-            <a:ext cx="457200" cy="457200"/>
+            <a:off x="195072" y="6208776"/>
+            <a:ext cx="609600" cy="457200"/>
           </a:xfrm>
         </p:spPr>
         <p:txBody>
@@ -3274,8 +3274,8 @@
         </p:nvSpPr>
         <p:spPr>
           <a:xfrm flipV="1">
-            <a:off x="68307" y="4683555"/>
-            <a:ext cx="9006840" cy="91440"/>
+            <a:off x="91076" y="4683555"/>
+            <a:ext cx="12009120" cy="91440"/>
           </a:xfrm>
           <a:prstGeom prst="rect">
             <a:avLst/>
@@ -3310,7 +3310,7 @@
           <a:lstStyle/>
           <a:p>
             <a:pPr algn="ctr" eaLnBrk="1" latinLnBrk="0" hangingPunct="1"/>
-            <a:endParaRPr kumimoji="0" lang="en-US"/>
+            <a:endParaRPr kumimoji="0" lang="en-US" sz="2800"/>
           </a:p>
         </p:txBody>
       </p:sp>
@@ -3322,8 +3322,8 @@
         </p:nvSpPr>
         <p:spPr>
           <a:xfrm>
-            <a:off x="68508" y="4650474"/>
-            <a:ext cx="9006639" cy="45719"/>
+            <a:off x="91345" y="4650475"/>
+            <a:ext cx="12008852" cy="45719"/>
           </a:xfrm>
           <a:prstGeom prst="rect">
             <a:avLst/>
@@ -3358,7 +3358,7 @@
           <a:lstStyle/>
           <a:p>
             <a:pPr algn="ctr" eaLnBrk="1" latinLnBrk="0" hangingPunct="1"/>
-            <a:endParaRPr kumimoji="0" lang="en-US"/>
+            <a:endParaRPr kumimoji="0" lang="en-US" sz="2800"/>
           </a:p>
         </p:txBody>
       </p:sp>
@@ -3370,8 +3370,8 @@
         </p:nvSpPr>
         <p:spPr>
           <a:xfrm>
-            <a:off x="68510" y="4773224"/>
-            <a:ext cx="9006637" cy="48807"/>
+            <a:off x="91348" y="4773225"/>
+            <a:ext cx="12008849" cy="48807"/>
           </a:xfrm>
           <a:prstGeom prst="rect">
             <a:avLst/>
@@ -3404,7 +3404,7 @@
           <a:lstStyle/>
           <a:p>
             <a:pPr algn="ctr" eaLnBrk="1" latinLnBrk="0" hangingPunct="1"/>
-            <a:endParaRPr kumimoji="0" lang="en-US"/>
+            <a:endParaRPr kumimoji="0" lang="en-US" sz="2800"/>
           </a:p>
         </p:txBody>
       </p:sp>
@@ -3420,8 +3420,8 @@
         </p:nvSpPr>
         <p:spPr>
           <a:xfrm>
-            <a:off x="68308" y="66675"/>
-            <a:ext cx="9001873" cy="4581525"/>
+            <a:off x="91078" y="66676"/>
+            <a:ext cx="12002497" cy="4581525"/>
           </a:xfrm>
           <a:prstGeom prst="round2SameRect">
             <a:avLst>
@@ -3494,7 +3494,7 @@
         <p:spPr>
           <a:xfrm>
             <a:off x="0" y="0"/>
-            <a:ext cx="9144000" cy="6858000"/>
+            <a:ext cx="12192000" cy="6858000"/>
           </a:xfrm>
           <a:prstGeom prst="rect">
             <a:avLst/>
@@ -3526,7 +3526,7 @@
           <a:lstStyle/>
           <a:p>
             <a:pPr algn="ctr" eaLnBrk="1" latinLnBrk="0" hangingPunct="1"/>
-            <a:endParaRPr kumimoji="0" lang="en-US"/>
+            <a:endParaRPr kumimoji="0" lang="en-US" sz="2800"/>
           </a:p>
         </p:txBody>
       </p:sp>
@@ -3538,8 +3538,8 @@
         </p:nvSpPr>
         <p:spPr>
           <a:xfrm>
-            <a:off x="64008" y="69755"/>
-            <a:ext cx="9013372" cy="6693408"/>
+            <a:off x="85344" y="69755"/>
+            <a:ext cx="12017829" cy="6693408"/>
           </a:xfrm>
           <a:prstGeom prst="roundRect">
             <a:avLst>
@@ -3575,7 +3575,7 @@
           <a:lstStyle/>
           <a:p>
             <a:pPr algn="ctr" eaLnBrk="1" latinLnBrk="0" hangingPunct="1"/>
-            <a:endParaRPr kumimoji="0" lang="en-US"/>
+            <a:endParaRPr kumimoji="0" lang="en-US" sz="2800"/>
           </a:p>
         </p:txBody>
       </p:sp>
@@ -3591,8 +3591,8 @@
         </p:nvSpPr>
         <p:spPr>
           <a:xfrm>
-            <a:off x="428596" y="274638"/>
-            <a:ext cx="8258204" cy="1143000"/>
+            <a:off x="571461" y="274638"/>
+            <a:ext cx="11010939" cy="1143000"/>
           </a:xfrm>
           <a:prstGeom prst="rect">
             <a:avLst/>
@@ -3624,8 +3624,8 @@
         </p:nvSpPr>
         <p:spPr>
           <a:xfrm>
-            <a:off x="428596" y="1447800"/>
-            <a:ext cx="8258204" cy="4572000"/>
+            <a:off x="571461" y="1447800"/>
+            <a:ext cx="11010939" cy="4572000"/>
           </a:xfrm>
           <a:prstGeom prst="rect">
             <a:avLst/>
@@ -3686,8 +3686,8 @@
         </p:nvSpPr>
         <p:spPr>
           <a:xfrm>
-            <a:off x="6172200" y="6191250"/>
-            <a:ext cx="2476500" cy="476250"/>
+            <a:off x="8229600" y="6191250"/>
+            <a:ext cx="3302000" cy="476250"/>
           </a:xfrm>
           <a:prstGeom prst="rect">
             <a:avLst/>
@@ -3725,8 +3725,8 @@
         </p:nvSpPr>
         <p:spPr>
           <a:xfrm>
-            <a:off x="914400" y="6172200"/>
-            <a:ext cx="3962400" cy="457200"/>
+            <a:off x="1219200" y="6172200"/>
+            <a:ext cx="5283200" cy="457200"/>
           </a:xfrm>
           <a:prstGeom prst="rect">
             <a:avLst/>
@@ -3760,8 +3760,8 @@
         </p:nvSpPr>
         <p:spPr>
           <a:xfrm>
-            <a:off x="146304" y="6210300"/>
-            <a:ext cx="457200" cy="457200"/>
+            <a:off x="195072" y="6210300"/>
+            <a:ext cx="609600" cy="457200"/>
           </a:xfrm>
           <a:prstGeom prst="ellipse">
             <a:avLst/>
@@ -4191,7 +4191,7 @@
         </p:nvSpPr>
         <p:spPr>
           <a:xfrm>
-            <a:off x="457200" y="3212976"/>
+            <a:off x="1981200" y="3212976"/>
             <a:ext cx="8534400" cy="1600200"/>
           </a:xfrm>
         </p:spPr>
@@ -4330,7 +4330,7 @@
         </p:nvSpPr>
         <p:spPr bwMode="auto">
           <a:xfrm>
-            <a:off x="4191000" y="4038600"/>
+            <a:off x="5715000" y="4038600"/>
             <a:ext cx="457200" cy="457200"/>
           </a:xfrm>
           <a:prstGeom prst="ellipse">
@@ -4480,7 +4480,7 @@
         </p:nvGrpSpPr>
         <p:grpSpPr>
           <a:xfrm>
-            <a:off x="4114800" y="3962400"/>
+            <a:off x="5638800" y="3962400"/>
             <a:ext cx="609600" cy="609600"/>
             <a:chOff x="4114800" y="3962400"/>
             <a:chExt cx="609600" cy="609600"/>
@@ -4657,7 +4657,7 @@
         </p:nvSpPr>
         <p:spPr>
           <a:xfrm>
-            <a:off x="428596" y="1447800"/>
+            <a:off x="1952596" y="1447800"/>
             <a:ext cx="8258204" cy="766754"/>
           </a:xfrm>
         </p:spPr>
@@ -4697,7 +4697,7 @@
         </p:nvGrpSpPr>
         <p:grpSpPr bwMode="auto">
           <a:xfrm>
-            <a:off x="533400" y="2574925"/>
+            <a:off x="2057400" y="2574926"/>
             <a:ext cx="7727950" cy="3825875"/>
             <a:chOff x="336" y="1392"/>
             <a:chExt cx="4868" cy="2410"/>
@@ -6524,7 +6524,7 @@
         <p:spPr/>
         <p:txBody>
           <a:bodyPr>
-            <a:normAutofit fontScale="90000"/>
+            <a:normAutofit/>
           </a:bodyPr>
           <a:lstStyle/>
           <a:p>
@@ -6882,7 +6882,7 @@
         </p:nvSpPr>
         <p:spPr>
           <a:xfrm>
-            <a:off x="428596" y="274638"/>
+            <a:off x="1952596" y="274638"/>
             <a:ext cx="8535892" cy="1143000"/>
           </a:xfrm>
         </p:spPr>
@@ -6928,7 +6928,7 @@
         </p:nvSpPr>
         <p:spPr>
           <a:xfrm>
-            <a:off x="428596" y="1447800"/>
+            <a:off x="1952596" y="1447800"/>
             <a:ext cx="8258204" cy="766754"/>
           </a:xfrm>
         </p:spPr>
@@ -6968,7 +6968,7 @@
         </p:nvGrpSpPr>
         <p:grpSpPr bwMode="auto">
           <a:xfrm>
-            <a:off x="533400" y="2574925"/>
+            <a:off x="2057401" y="2574925"/>
             <a:ext cx="7981951" cy="3876676"/>
             <a:chOff x="336" y="1622"/>
             <a:chExt cx="5028" cy="2442"/>
@@ -8185,7 +8185,7 @@
         <p:spPr/>
         <p:txBody>
           <a:bodyPr>
-            <a:normAutofit fontScale="90000"/>
+            <a:normAutofit/>
           </a:bodyPr>
           <a:lstStyle/>
           <a:p>
@@ -8218,7 +8218,7 @@
         <p:spPr/>
         <p:txBody>
           <a:bodyPr>
-            <a:normAutofit fontScale="92500" lnSpcReduction="10000"/>
+            <a:normAutofit fontScale="92500"/>
           </a:bodyPr>
           <a:lstStyle/>
           <a:p>
@@ -8691,7 +8691,7 @@
         <p:spPr/>
         <p:txBody>
           <a:bodyPr>
-            <a:normAutofit lnSpcReduction="10000"/>
+            <a:normAutofit/>
           </a:bodyPr>
           <a:lstStyle/>
           <a:p>
@@ -9057,7 +9057,7 @@
         </p:nvSpPr>
         <p:spPr>
           <a:xfrm>
-            <a:off x="428596" y="1447800"/>
+            <a:off x="1952596" y="1447800"/>
             <a:ext cx="8258204" cy="695316"/>
           </a:xfrm>
         </p:spPr>
@@ -9104,7 +9104,7 @@
         </p:nvGrpSpPr>
         <p:grpSpPr bwMode="auto">
           <a:xfrm>
-            <a:off x="3286116" y="2428868"/>
+            <a:off x="4810116" y="2428868"/>
             <a:ext cx="2286000" cy="3124200"/>
             <a:chOff x="2208" y="1776"/>
             <a:chExt cx="1440" cy="1968"/>
@@ -9693,7 +9693,7 @@
         <p:spPr/>
         <p:txBody>
           <a:bodyPr>
-            <a:normAutofit fontScale="90000"/>
+            <a:normAutofit/>
           </a:bodyPr>
           <a:lstStyle/>
           <a:p>
@@ -9738,7 +9738,7 @@
         </p:nvGrpSpPr>
         <p:grpSpPr bwMode="auto">
           <a:xfrm>
-            <a:off x="428625" y="1447800"/>
+            <a:off x="1952626" y="1447800"/>
             <a:ext cx="7957689" cy="4572000"/>
             <a:chOff x="336" y="1152"/>
             <a:chExt cx="4608" cy="2496"/>
@@ -10754,7 +10754,7 @@
         </p:blipFill>
         <p:spPr bwMode="auto">
           <a:xfrm>
-            <a:off x="827584" y="1544216"/>
+            <a:off x="2351584" y="1544216"/>
             <a:ext cx="7545988" cy="3888432"/>
           </a:xfrm>
           <a:prstGeom prst="rect">
@@ -11010,7 +11010,7 @@
         </p:blipFill>
         <p:spPr bwMode="auto">
           <a:xfrm>
-            <a:off x="1655676" y="1909002"/>
+            <a:off x="3179677" y="1909003"/>
             <a:ext cx="1393301" cy="1386241"/>
           </a:xfrm>
           <a:prstGeom prst="rect">
@@ -11042,7 +11042,7 @@
         </p:nvSpPr>
         <p:spPr>
           <a:xfrm>
-            <a:off x="3815916" y="4127164"/>
+            <a:off x="5339916" y="4127164"/>
             <a:ext cx="1998222" cy="918102"/>
           </a:xfrm>
           <a:prstGeom prst="roundRect">
@@ -11090,7 +11090,7 @@
         </p:nvSpPr>
         <p:spPr>
           <a:xfrm rot="5400000">
-            <a:off x="2173155" y="3550515"/>
+            <a:off x="3697155" y="3550516"/>
             <a:ext cx="1458162" cy="1215135"/>
           </a:xfrm>
           <a:prstGeom prst="bentUpArrow">
@@ -11138,7 +11138,7 @@
         </p:nvSpPr>
         <p:spPr>
           <a:xfrm>
-            <a:off x="6570222" y="2221675"/>
+            <a:off x="8094222" y="2221676"/>
             <a:ext cx="1998222" cy="1207325"/>
           </a:xfrm>
           <a:prstGeom prst="roundRect">
@@ -11188,7 +11188,7 @@
         </p:nvSpPr>
         <p:spPr>
           <a:xfrm>
-            <a:off x="6354198" y="3550514"/>
+            <a:off x="7878198" y="3550515"/>
             <a:ext cx="1458162" cy="1215135"/>
           </a:xfrm>
           <a:prstGeom prst="bentUpArrow">
@@ -11236,7 +11236,7 @@
         </p:nvSpPr>
         <p:spPr>
           <a:xfrm>
-            <a:off x="719533" y="3450779"/>
+            <a:off x="2243533" y="3450780"/>
             <a:ext cx="1674186" cy="1246495"/>
           </a:xfrm>
           <a:prstGeom prst="rect">
@@ -11312,7 +11312,7 @@
         </p:nvSpPr>
         <p:spPr>
           <a:xfrm>
-            <a:off x="6462210" y="4787188"/>
+            <a:off x="7986210" y="4787188"/>
             <a:ext cx="1242138" cy="738664"/>
           </a:xfrm>
           <a:prstGeom prst="rect">
@@ -11354,7 +11354,7 @@
         </p:nvSpPr>
         <p:spPr>
           <a:xfrm>
-            <a:off x="3113838" y="2467547"/>
+            <a:off x="4637839" y="2467547"/>
             <a:ext cx="2147487" cy="738664"/>
           </a:xfrm>
           <a:prstGeom prst="rect">
@@ -11396,7 +11396,7 @@
         </p:nvSpPr>
         <p:spPr>
           <a:xfrm>
-            <a:off x="3896925" y="5122560"/>
+            <a:off x="5420925" y="5122560"/>
             <a:ext cx="1836204" cy="738664"/>
           </a:xfrm>
           <a:prstGeom prst="rect">
@@ -11517,7 +11517,7 @@
         </p:nvSpPr>
         <p:spPr>
           <a:xfrm>
-            <a:off x="2267744" y="1868528"/>
+            <a:off x="3791744" y="1868528"/>
             <a:ext cx="1728192" cy="648072"/>
           </a:xfrm>
           <a:prstGeom prst="rect">
@@ -11566,7 +11566,7 @@
         </p:nvSpPr>
         <p:spPr>
           <a:xfrm>
-            <a:off x="2267744" y="2514150"/>
+            <a:off x="3791744" y="2514150"/>
             <a:ext cx="1728192" cy="1298594"/>
           </a:xfrm>
           <a:prstGeom prst="rect">
@@ -11626,7 +11626,7 @@
         </p:nvSpPr>
         <p:spPr>
           <a:xfrm>
-            <a:off x="2267744" y="3812744"/>
+            <a:off x="3791744" y="3812744"/>
             <a:ext cx="1728192" cy="1298594"/>
           </a:xfrm>
           <a:prstGeom prst="rect">
@@ -11686,7 +11686,7 @@
         </p:nvSpPr>
         <p:spPr>
           <a:xfrm>
-            <a:off x="5508104" y="2841861"/>
+            <a:off x="7032104" y="2841861"/>
             <a:ext cx="1728192" cy="648072"/>
           </a:xfrm>
           <a:prstGeom prst="rect">
@@ -11735,7 +11735,7 @@
         </p:nvSpPr>
         <p:spPr>
           <a:xfrm rot="16200000">
-            <a:off x="4012034" y="3055435"/>
+            <a:off x="5536034" y="3055435"/>
             <a:ext cx="216024" cy="216024"/>
           </a:xfrm>
           <a:prstGeom prst="triangle">
@@ -11791,7 +11791,7 @@
         </p:nvCxnSpPr>
         <p:spPr>
           <a:xfrm>
-            <a:off x="4244156" y="3163446"/>
+            <a:off x="5768156" y="3163447"/>
             <a:ext cx="1263948" cy="2451"/>
           </a:xfrm>
           <a:prstGeom prst="line">
@@ -11893,7 +11893,7 @@
         <p:spPr/>
         <p:txBody>
           <a:bodyPr>
-            <a:normAutofit fontScale="92500" lnSpcReduction="10000"/>
+            <a:normAutofit fontScale="92500"/>
           </a:bodyPr>
           <a:lstStyle/>
           <a:p>
@@ -12137,7 +12137,7 @@
         </p:nvSpPr>
         <p:spPr>
           <a:xfrm>
-            <a:off x="500034" y="1428736"/>
+            <a:off x="2024034" y="1428736"/>
             <a:ext cx="7772400" cy="1066800"/>
           </a:xfrm>
           <a:prstGeom prst="rect">
@@ -12150,72 +12150,33 @@
           </a:bodyPr>
           <a:lstStyle/>
           <a:p>
-            <a:pPr marL="357188" marR="0" lvl="0" indent="-357188" algn="l" defTabSz="914400" rtl="0" eaLnBrk="1" fontAlgn="auto" latinLnBrk="0" hangingPunct="1">
-              <a:lnSpc>
-                <a:spcPct val="100000"/>
-              </a:lnSpc>
+            <a:pPr marL="357188" indent="-357188">
               <a:spcBef>
                 <a:spcPts val="580"/>
               </a:spcBef>
-              <a:spcAft>
-                <a:spcPts val="0"/>
-              </a:spcAft>
               <a:buClr>
                 <a:schemeClr val="accent1"/>
               </a:buClr>
               <a:buSzPct val="85000"/>
-              <a:buFontTx/>
-              <a:buNone/>
-              <a:tabLst/>
               <a:defRPr/>
             </a:pPr>
             <a:r>
-              <a:rPr kumimoji="0" lang="th-TH" sz="4000" b="0" i="0" u="none" strike="noStrike" kern="1200" cap="none" spc="0" normalizeH="0" baseline="0" noProof="0" dirty="0">
-                <a:ln>
-                  <a:noFill/>
-                </a:ln>
-                <a:solidFill>
-                  <a:schemeClr val="tx1"/>
-                </a:solidFill>
-                <a:effectLst/>
-                <a:uLnTx/>
-                <a:uFillTx/>
+              <a:rPr lang="th-TH" sz="4000" dirty="0">
                 <a:latin typeface="TH Baijam" pitchFamily="2" charset="-34"/>
-                <a:ea typeface="+mn-ea"/>
                 <a:cs typeface="TH Baijam" pitchFamily="2" charset="-34"/>
               </a:rPr>
               <a:t>State และ </a:t>
             </a:r>
             <a:r>
-              <a:rPr kumimoji="0" lang="en-US" sz="4000" b="0" i="0" u="none" strike="noStrike" kern="1200" cap="none" spc="0" normalizeH="0" baseline="0" noProof="0" dirty="0">
-                <a:ln>
-                  <a:noFill/>
-                </a:ln>
-                <a:solidFill>
-                  <a:schemeClr val="tx1"/>
-                </a:solidFill>
-                <a:effectLst/>
-                <a:uLnTx/>
-                <a:uFillTx/>
+              <a:rPr lang="en-US" sz="4000" dirty="0">
                 <a:latin typeface="TH Baijam" pitchFamily="2" charset="-34"/>
-                <a:ea typeface="+mn-ea"/>
                 <a:cs typeface="TH Baijam" pitchFamily="2" charset="-34"/>
               </a:rPr>
               <a:t>Transition </a:t>
             </a:r>
             <a:r>
-              <a:rPr kumimoji="0" lang="th-TH" sz="4000" b="0" i="0" u="none" strike="noStrike" kern="1200" cap="none" spc="0" normalizeH="0" baseline="0" noProof="0" dirty="0">
-                <a:ln>
-                  <a:noFill/>
-                </a:ln>
-                <a:solidFill>
-                  <a:schemeClr val="tx1"/>
-                </a:solidFill>
-                <a:effectLst/>
-                <a:uLnTx/>
-                <a:uFillTx/>
+              <a:rPr lang="th-TH" sz="4000" dirty="0">
                 <a:latin typeface="TH Baijam" pitchFamily="2" charset="-34"/>
-                <a:ea typeface="+mn-ea"/>
                 <a:cs typeface="TH Baijam" pitchFamily="2" charset="-34"/>
               </a:rPr>
               <a:t>แสดงการทำงานของหลอดไฟ</a:t>
@@ -12233,7 +12194,7 @@
         </p:nvGrpSpPr>
         <p:grpSpPr bwMode="auto">
           <a:xfrm>
-            <a:off x="914400" y="3429002"/>
+            <a:off x="2438400" y="3429003"/>
             <a:ext cx="7315200" cy="1955801"/>
             <a:chOff x="576" y="2016"/>
             <a:chExt cx="4608" cy="1232"/>
@@ -12751,7 +12712,7 @@
         </p:nvSpPr>
         <p:spPr>
           <a:xfrm>
-            <a:off x="428596" y="1447800"/>
+            <a:off x="1952596" y="1447800"/>
             <a:ext cx="8258204" cy="2124076"/>
           </a:xfrm>
         </p:spPr>
@@ -12812,7 +12773,7 @@
         </p:nvSpPr>
         <p:spPr bwMode="auto">
           <a:xfrm>
-            <a:off x="3643306" y="3857628"/>
+            <a:off x="5167306" y="3857628"/>
             <a:ext cx="2057400" cy="1219200"/>
           </a:xfrm>
           <a:prstGeom prst="roundRect">
